--- a/AsteroidMining.pptx
+++ b/AsteroidMining.pptx
@@ -10,6 +10,8 @@
     <p:sldId id="258" r:id="rId4"/>
     <p:sldId id="259" r:id="rId5"/>
     <p:sldId id="260" r:id="rId6"/>
+    <p:sldId id="261" r:id="rId7"/>
+    <p:sldId id="262" r:id="rId8"/>
   </p:sldIdLst>
   <p:sldSz cx="12192000" cy="6858000"/>
   <p:notesSz cx="6858000" cy="9144000"/>
@@ -5782,7 +5784,7 @@
           <a:p>
             <a:r>
               <a:rPr lang="en-US" dirty="0" smtClean="0"/>
-              <a:t>380 </a:t>
+              <a:t>Human visible light wavelengths range from 380 </a:t>
             </a:r>
             <a:r>
               <a:rPr lang="en-US" u="sng" dirty="0">
@@ -5792,7 +5794,19 @@
             </a:r>
             <a:r>
               <a:rPr lang="en-US" dirty="0"/>
-              <a:t> and 760 </a:t>
+              <a:t> </a:t>
+            </a:r>
+            <a:r>
+              <a:rPr lang="en-US" dirty="0" smtClean="0"/>
+              <a:t>to</a:t>
+            </a:r>
+            <a:r>
+              <a:rPr lang="en-US" dirty="0" smtClean="0"/>
+              <a:t> </a:t>
+            </a:r>
+            <a:r>
+              <a:rPr lang="en-US" dirty="0"/>
+              <a:t>760 </a:t>
             </a:r>
             <a:r>
               <a:rPr lang="en-US" dirty="0" smtClean="0"/>
@@ -6530,6 +6544,211 @@
     <p:extLst>
       <p:ext uri="{BB962C8B-B14F-4D97-AF65-F5344CB8AC3E}">
         <p14:creationId xmlns:p14="http://schemas.microsoft.com/office/powerpoint/2010/main" val="311722230"/>
+      </p:ext>
+    </p:extLst>
+  </p:cSld>
+  <p:clrMapOvr>
+    <a:masterClrMapping/>
+  </p:clrMapOvr>
+</p:sld>
+</file>
+
+<file path=ppt/slides/slide6.xml><?xml version="1.0" encoding="utf-8"?>
+<p:sld xmlns:a="http://schemas.openxmlformats.org/drawingml/2006/main" xmlns:r="http://schemas.openxmlformats.org/officeDocument/2006/relationships" xmlns:p="http://schemas.openxmlformats.org/presentationml/2006/main">
+  <p:cSld>
+    <p:spTree>
+      <p:nvGrpSpPr>
+        <p:cNvPr id="1" name=""/>
+        <p:cNvGrpSpPr/>
+        <p:nvPr/>
+      </p:nvGrpSpPr>
+      <p:grpSpPr>
+        <a:xfrm>
+          <a:off x="0" y="0"/>
+          <a:ext cx="0" cy="0"/>
+          <a:chOff x="0" y="0"/>
+          <a:chExt cx="0" cy="0"/>
+        </a:xfrm>
+      </p:grpSpPr>
+      <p:sp>
+        <p:nvSpPr>
+          <p:cNvPr id="2" name="Title 1"/>
+          <p:cNvSpPr>
+            <a:spLocks noGrp="1"/>
+          </p:cNvSpPr>
+          <p:nvPr>
+            <p:ph type="title"/>
+          </p:nvPr>
+        </p:nvSpPr>
+        <p:spPr/>
+        <p:txBody>
+          <a:bodyPr/>
+          <a:lstStyle/>
+          <a:p>
+            <a:r>
+              <a:rPr lang="en-US" dirty="0" smtClean="0"/>
+              <a:t>Problem: Light signals are noisy</a:t>
+            </a:r>
+            <a:endParaRPr lang="en-US" dirty="0"/>
+          </a:p>
+        </p:txBody>
+      </p:sp>
+      <p:sp>
+        <p:nvSpPr>
+          <p:cNvPr id="3" name="Content Placeholder 2"/>
+          <p:cNvSpPr>
+            <a:spLocks noGrp="1"/>
+          </p:cNvSpPr>
+          <p:nvPr>
+            <p:ph idx="1"/>
+          </p:nvPr>
+        </p:nvSpPr>
+        <p:spPr/>
+        <p:txBody>
+          <a:bodyPr/>
+          <a:lstStyle/>
+          <a:p>
+            <a:r>
+              <a:rPr lang="en-US" dirty="0" smtClean="0"/>
+              <a:t>Measurements taken by cameras are inherently noisy.</a:t>
+            </a:r>
+          </a:p>
+          <a:p>
+            <a:pPr lvl="1"/>
+            <a:r>
+              <a:rPr lang="en-US" dirty="0" smtClean="0"/>
+              <a:t>For most images we don</a:t>
+            </a:r>
+            <a:r>
+              <a:rPr lang="uk-UA" dirty="0" smtClean="0"/>
+              <a:t>’</a:t>
+            </a:r>
+            <a:r>
+              <a:rPr lang="en-US" dirty="0" smtClean="0"/>
+              <a:t>t know how well the camera was calibrated</a:t>
+            </a:r>
+          </a:p>
+          <a:p>
+            <a:pPr lvl="1"/>
+            <a:endParaRPr lang="en-US" dirty="0"/>
+          </a:p>
+          <a:p>
+            <a:r>
+              <a:rPr lang="en-US" dirty="0" smtClean="0"/>
+              <a:t>We don’t know the albedo (ratio of surface reflectance) for the asteroid.</a:t>
+            </a:r>
+          </a:p>
+          <a:p>
+            <a:pPr lvl="1"/>
+            <a:r>
+              <a:rPr lang="en-US" dirty="0" smtClean="0"/>
+              <a:t>High albedo surfaces will have lots of specular reflection meaning that they will tend to look dark if the reflected light is not at the same angle as the camera lens</a:t>
+            </a:r>
+          </a:p>
+          <a:p>
+            <a:pPr lvl="1"/>
+            <a:r>
+              <a:rPr lang="en-US" dirty="0" smtClean="0"/>
+              <a:t>We don’t know the albedo of the surface because we don’t know what the surface composition is but we’re trying to use light emissions to estimate surface composition.</a:t>
+            </a:r>
+          </a:p>
+        </p:txBody>
+      </p:sp>
+    </p:spTree>
+    <p:extLst>
+      <p:ext uri="{BB962C8B-B14F-4D97-AF65-F5344CB8AC3E}">
+        <p14:creationId xmlns:p14="http://schemas.microsoft.com/office/powerpoint/2010/main" val="227647407"/>
+      </p:ext>
+    </p:extLst>
+  </p:cSld>
+  <p:clrMapOvr>
+    <a:masterClrMapping/>
+  </p:clrMapOvr>
+</p:sld>
+</file>
+
+<file path=ppt/slides/slide7.xml><?xml version="1.0" encoding="utf-8"?>
+<p:sld xmlns:a="http://schemas.openxmlformats.org/drawingml/2006/main" xmlns:r="http://schemas.openxmlformats.org/officeDocument/2006/relationships" xmlns:p="http://schemas.openxmlformats.org/presentationml/2006/main">
+  <p:cSld>
+    <p:spTree>
+      <p:nvGrpSpPr>
+        <p:cNvPr id="1" name=""/>
+        <p:cNvGrpSpPr/>
+        <p:nvPr/>
+      </p:nvGrpSpPr>
+      <p:grpSpPr>
+        <a:xfrm>
+          <a:off x="0" y="0"/>
+          <a:ext cx="0" cy="0"/>
+          <a:chOff x="0" y="0"/>
+          <a:chExt cx="0" cy="0"/>
+        </a:xfrm>
+      </p:grpSpPr>
+      <p:sp>
+        <p:nvSpPr>
+          <p:cNvPr id="2" name="Title 1"/>
+          <p:cNvSpPr>
+            <a:spLocks noGrp="1"/>
+          </p:cNvSpPr>
+          <p:nvPr>
+            <p:ph type="title"/>
+          </p:nvPr>
+        </p:nvSpPr>
+        <p:spPr/>
+        <p:txBody>
+          <a:bodyPr>
+            <a:normAutofit fontScale="90000"/>
+          </a:bodyPr>
+          <a:lstStyle/>
+          <a:p>
+            <a:r>
+              <a:rPr lang="en-US" dirty="0" smtClean="0"/>
+              <a:t>Problem: Surface light can be affected by other physical factors</a:t>
+            </a:r>
+            <a:endParaRPr lang="en-US" dirty="0"/>
+          </a:p>
+        </p:txBody>
+      </p:sp>
+      <p:sp>
+        <p:nvSpPr>
+          <p:cNvPr id="3" name="Content Placeholder 2"/>
+          <p:cNvSpPr>
+            <a:spLocks noGrp="1"/>
+          </p:cNvSpPr>
+          <p:nvPr>
+            <p:ph idx="1"/>
+          </p:nvPr>
+        </p:nvSpPr>
+        <p:spPr/>
+        <p:txBody>
+          <a:bodyPr/>
+          <a:lstStyle/>
+          <a:p>
+            <a:r>
+              <a:rPr lang="en-US" dirty="0" smtClean="0"/>
+              <a:t>Asteroid surfaces have craters which appear darker</a:t>
+            </a:r>
+          </a:p>
+          <a:p>
+            <a:pPr lvl="1"/>
+            <a:r>
+              <a:rPr lang="en-US" dirty="0" smtClean="0"/>
+              <a:t>Cratered surfaces also have slightly different surface composition because the impact that produced the crater adds heat and pressure to the surface which changes the chemical composition.</a:t>
+            </a:r>
+          </a:p>
+          <a:p>
+            <a:pPr lvl="1"/>
+            <a:r>
+              <a:rPr lang="en-US" dirty="0" smtClean="0"/>
+              <a:t>Objects impacting the asteroid surface also deposits foreign materials on the surface.</a:t>
+            </a:r>
+          </a:p>
+        </p:txBody>
+      </p:sp>
+    </p:spTree>
+    <p:extLst>
+      <p:ext uri="{BB962C8B-B14F-4D97-AF65-F5344CB8AC3E}">
+        <p14:creationId xmlns:p14="http://schemas.microsoft.com/office/powerpoint/2010/main" val="854162862"/>
       </p:ext>
     </p:extLst>
   </p:cSld>

--- a/AsteroidMining.pptx
+++ b/AsteroidMining.pptx
@@ -12,6 +12,7 @@
     <p:sldId id="260" r:id="rId6"/>
     <p:sldId id="261" r:id="rId7"/>
     <p:sldId id="262" r:id="rId8"/>
+    <p:sldId id="263" r:id="rId9"/>
   </p:sldIdLst>
   <p:sldSz cx="12192000" cy="6858000"/>
   <p:notesSz cx="6858000" cy="9144000"/>
@@ -5798,11 +5799,7 @@
             </a:r>
             <a:r>
               <a:rPr lang="en-US" dirty="0" smtClean="0"/>
-              <a:t>to</a:t>
-            </a:r>
-            <a:r>
-              <a:rPr lang="en-US" dirty="0" smtClean="0"/>
-              <a:t> </a:t>
+              <a:t>to </a:t>
             </a:r>
             <a:r>
               <a:rPr lang="en-US" dirty="0"/>
@@ -5876,6 +5873,36 @@
           <a:ln>
             <a:noFill/>
           </a:ln>
+        </p:spPr>
+      </p:pic>
+      <p:pic>
+        <p:nvPicPr>
+          <p:cNvPr id="5" name="Picture 4"/>
+          <p:cNvPicPr>
+            <a:picLocks noChangeAspect="1"/>
+          </p:cNvPicPr>
+          <p:nvPr/>
+        </p:nvPicPr>
+        <p:blipFill>
+          <a:blip r:embed="rId6">
+            <a:extLst>
+              <a:ext uri="{28A0092B-C50C-407E-A947-70E740481C1C}">
+                <a14:useLocalDpi xmlns:a14="http://schemas.microsoft.com/office/drawing/2010/main" val="0"/>
+              </a:ext>
+            </a:extLst>
+          </a:blip>
+          <a:stretch>
+            <a:fillRect/>
+          </a:stretch>
+        </p:blipFill>
+        <p:spPr>
+          <a:xfrm>
+            <a:off x="7414610" y="4072133"/>
+            <a:ext cx="4686300" cy="2692400"/>
+          </a:xfrm>
+          <a:prstGeom prst="rect">
+            <a:avLst/>
+          </a:prstGeom>
         </p:spPr>
       </p:pic>
     </p:spTree>
@@ -6187,11 +6214,7 @@
           <a:p>
             <a:r>
               <a:rPr lang="en-US" dirty="0" smtClean="0"/>
-              <a:t>We can approximate wavelengths from RGB by converting to hue, saturation, and value (HSV) format</a:t>
-            </a:r>
-            <a:r>
-              <a:rPr lang="en-US" dirty="0" smtClean="0"/>
-              <a:t>.</a:t>
+              <a:t>We can approximate wavelengths from RGB by converting to hue, saturation, and value (HSV) format.</a:t>
             </a:r>
           </a:p>
           <a:p>
@@ -6200,7 +6223,6 @@
               <a:rPr lang="en-US" dirty="0" smtClean="0"/>
               <a:t>The hue value which ranges from 0 to 360 degrees can be used to estimate wavelength.</a:t>
             </a:r>
-            <a:endParaRPr lang="en-US" dirty="0" smtClean="0"/>
           </a:p>
         </p:txBody>
       </p:sp>
@@ -6335,8 +6357,8 @@
           </a:p>
         </p:txBody>
       </p:sp>
-      <mc:AlternateContent xmlns:mc="http://schemas.openxmlformats.org/markup-compatibility/2006">
-        <mc:Choice xmlns:a14="http://schemas.microsoft.com/office/drawing/2010/main" Requires="a14">
+      <mc:AlternateContent xmlns:mc="http://schemas.openxmlformats.org/markup-compatibility/2006" xmlns:a14="http://schemas.microsoft.com/office/drawing/2010/main">
+        <mc:Choice Requires="a14">
           <p:sp>
             <p:nvSpPr>
               <p:cNvPr id="3" name="Content Placeholder 2"/>
@@ -6506,7 +6528,7 @@
             </p:txBody>
           </p:sp>
         </mc:Choice>
-        <mc:Fallback>
+        <mc:Fallback xmlns="">
           <p:sp>
             <p:nvSpPr>
               <p:cNvPr id="3" name="Content Placeholder 2"/>
@@ -6749,6 +6771,257 @@
     <p:extLst>
       <p:ext uri="{BB962C8B-B14F-4D97-AF65-F5344CB8AC3E}">
         <p14:creationId xmlns:p14="http://schemas.microsoft.com/office/powerpoint/2010/main" val="854162862"/>
+      </p:ext>
+    </p:extLst>
+  </p:cSld>
+  <p:clrMapOvr>
+    <a:masterClrMapping/>
+  </p:clrMapOvr>
+</p:sld>
+</file>
+
+<file path=ppt/slides/slide8.xml><?xml version="1.0" encoding="utf-8"?>
+<p:sld xmlns:a="http://schemas.openxmlformats.org/drawingml/2006/main" xmlns:r="http://schemas.openxmlformats.org/officeDocument/2006/relationships" xmlns:p="http://schemas.openxmlformats.org/presentationml/2006/main">
+  <p:cSld>
+    <p:spTree>
+      <p:nvGrpSpPr>
+        <p:cNvPr id="1" name=""/>
+        <p:cNvGrpSpPr/>
+        <p:nvPr/>
+      </p:nvGrpSpPr>
+      <p:grpSpPr>
+        <a:xfrm>
+          <a:off x="0" y="0"/>
+          <a:ext cx="0" cy="0"/>
+          <a:chOff x="0" y="0"/>
+          <a:chExt cx="0" cy="0"/>
+        </a:xfrm>
+      </p:grpSpPr>
+      <p:sp>
+        <p:nvSpPr>
+          <p:cNvPr id="2" name="Title 1"/>
+          <p:cNvSpPr>
+            <a:spLocks noGrp="1"/>
+          </p:cNvSpPr>
+          <p:nvPr>
+            <p:ph type="title"/>
+          </p:nvPr>
+        </p:nvSpPr>
+        <p:spPr/>
+        <p:txBody>
+          <a:bodyPr/>
+          <a:lstStyle/>
+          <a:p>
+            <a:r>
+              <a:rPr lang="en-US" dirty="0" smtClean="0"/>
+              <a:t>Sample Data:</a:t>
+            </a:r>
+            <a:endParaRPr lang="en-US" dirty="0"/>
+          </a:p>
+        </p:txBody>
+      </p:sp>
+      <mc:AlternateContent xmlns:mc="http://schemas.openxmlformats.org/markup-compatibility/2006">
+        <mc:Choice xmlns:a14="http://schemas.microsoft.com/office/drawing/2010/main" Requires="a14">
+          <p:sp>
+            <p:nvSpPr>
+              <p:cNvPr id="3" name="Content Placeholder 2"/>
+              <p:cNvSpPr>
+                <a:spLocks noGrp="1"/>
+              </p:cNvSpPr>
+              <p:nvPr>
+                <p:ph idx="1"/>
+              </p:nvPr>
+            </p:nvSpPr>
+            <p:spPr>
+              <a:xfrm>
+                <a:off x="685800" y="2206134"/>
+                <a:ext cx="10820400" cy="4024125"/>
+              </a:xfrm>
+            </p:spPr>
+            <p:txBody>
+              <a:bodyPr/>
+              <a:lstStyle/>
+              <a:p>
+                <a:r>
+                  <a:rPr lang="en-US" dirty="0" smtClean="0"/>
+                  <a:t>Patch:</a:t>
+                </a:r>
+                <a:endParaRPr lang="en-US" dirty="0"/>
+              </a:p>
+              <a:p>
+                <a:endParaRPr lang="en-US" i="1" dirty="0" smtClean="0">
+                  <a:latin typeface="Cambria Math" charset="0"/>
+                  <a:ea typeface="Cambria Math" charset="0"/>
+                  <a:cs typeface="Cambria Math" charset="0"/>
+                </a:endParaRPr>
+              </a:p>
+              <a:p>
+                <a14:m>
+                  <m:oMath xmlns:m="http://schemas.openxmlformats.org/officeDocument/2006/math">
+                    <m:r>
+                      <a:rPr lang="en-US" i="1" smtClean="0">
+                        <a:latin typeface="Cambria Math" charset="0"/>
+                        <a:ea typeface="Cambria Math" charset="0"/>
+                        <a:cs typeface="Cambria Math" charset="0"/>
+                      </a:rPr>
+                      <m:t>𝜇</m:t>
+                    </m:r>
+                    <m:r>
+                      <a:rPr lang="en-US" b="0" i="1" smtClean="0">
+                        <a:latin typeface="Cambria Math" charset="0"/>
+                        <a:ea typeface="Cambria Math" charset="0"/>
+                        <a:cs typeface="Cambria Math" charset="0"/>
+                      </a:rPr>
+                      <m:t>=</m:t>
+                    </m:r>
+                    <m:r>
+                      <a:rPr lang="nb-NO" i="1">
+                        <a:latin typeface="Cambria Math" charset="0"/>
+                        <a:ea typeface="Cambria Math" charset="0"/>
+                        <a:cs typeface="Cambria Math" charset="0"/>
+                      </a:rPr>
+                      <m:t>0.599023</m:t>
+                    </m:r>
+                  </m:oMath>
+                </a14:m>
+                <a:endParaRPr lang="en-US" dirty="0" smtClean="0"/>
+              </a:p>
+              <a:p>
+                <a14:m>
+                  <m:oMath xmlns:m="http://schemas.openxmlformats.org/officeDocument/2006/math">
+                    <m:r>
+                      <a:rPr lang="en-US" i="1" smtClean="0">
+                        <a:latin typeface="Cambria Math" charset="0"/>
+                        <a:ea typeface="Cambria Math" charset="0"/>
+                        <a:cs typeface="Cambria Math" charset="0"/>
+                      </a:rPr>
+                      <m:t>𝜎</m:t>
+                    </m:r>
+                    <m:r>
+                      <a:rPr lang="en-US" b="0" i="1" smtClean="0">
+                        <a:latin typeface="Cambria Math" charset="0"/>
+                        <a:ea typeface="Cambria Math" charset="0"/>
+                        <a:cs typeface="Cambria Math" charset="0"/>
+                      </a:rPr>
+                      <m:t>=</m:t>
+                    </m:r>
+                    <m:r>
+                      <a:rPr lang="is-IS" i="1">
+                        <a:latin typeface="Cambria Math" charset="0"/>
+                        <a:ea typeface="Cambria Math" charset="0"/>
+                        <a:cs typeface="Cambria Math" charset="0"/>
+                      </a:rPr>
+                      <m:t>0.00205689</m:t>
+                    </m:r>
+                  </m:oMath>
+                </a14:m>
+                <a:endParaRPr lang="en-US" dirty="0" smtClean="0"/>
+              </a:p>
+            </p:txBody>
+          </p:sp>
+        </mc:Choice>
+        <mc:Fallback>
+          <p:sp>
+            <p:nvSpPr>
+              <p:cNvPr id="3" name="Content Placeholder 2"/>
+              <p:cNvSpPr>
+                <a:spLocks noGrp="1" noRot="1" noChangeAspect="1" noMove="1" noResize="1" noEditPoints="1" noAdjustHandles="1" noChangeArrowheads="1" noChangeShapeType="1" noTextEdit="1"/>
+              </p:cNvSpPr>
+              <p:nvPr>
+                <p:ph idx="1"/>
+              </p:nvPr>
+            </p:nvSpPr>
+            <p:spPr>
+              <a:xfrm>
+                <a:off x="685800" y="2206134"/>
+                <a:ext cx="10820400" cy="4024125"/>
+              </a:xfrm>
+              <a:blipFill rotWithShape="0">
+                <a:blip r:embed="rId2"/>
+                <a:stretch>
+                  <a:fillRect l="-676" t="-1818"/>
+                </a:stretch>
+              </a:blipFill>
+            </p:spPr>
+            <p:txBody>
+              <a:bodyPr/>
+              <a:lstStyle/>
+              <a:p>
+                <a:r>
+                  <a:rPr lang="en-US">
+                    <a:noFill/>
+                  </a:rPr>
+                  <a:t> </a:t>
+                </a:r>
+              </a:p>
+            </p:txBody>
+          </p:sp>
+        </mc:Fallback>
+      </mc:AlternateContent>
+      <p:pic>
+        <p:nvPicPr>
+          <p:cNvPr id="5" name="Picture 4"/>
+          <p:cNvPicPr>
+            <a:picLocks noChangeAspect="1"/>
+          </p:cNvPicPr>
+          <p:nvPr/>
+        </p:nvPicPr>
+        <p:blipFill>
+          <a:blip r:embed="rId3">
+            <a:extLst>
+              <a:ext uri="{28A0092B-C50C-407E-A947-70E740481C1C}">
+                <a14:useLocalDpi xmlns:a14="http://schemas.microsoft.com/office/drawing/2010/main" val="0"/>
+              </a:ext>
+            </a:extLst>
+          </a:blip>
+          <a:stretch>
+            <a:fillRect/>
+          </a:stretch>
+        </p:blipFill>
+        <p:spPr>
+          <a:xfrm>
+            <a:off x="2101850" y="1969815"/>
+            <a:ext cx="1587500" cy="1016000"/>
+          </a:xfrm>
+          <a:prstGeom prst="rect">
+            <a:avLst/>
+          </a:prstGeom>
+        </p:spPr>
+      </p:pic>
+      <p:pic>
+        <p:nvPicPr>
+          <p:cNvPr id="6" name="Picture 5"/>
+          <p:cNvPicPr>
+            <a:picLocks noChangeAspect="1"/>
+          </p:cNvPicPr>
+          <p:nvPr/>
+        </p:nvPicPr>
+        <p:blipFill>
+          <a:blip r:embed="rId4">
+            <a:extLst>
+              <a:ext uri="{28A0092B-C50C-407E-A947-70E740481C1C}">
+                <a14:useLocalDpi xmlns:a14="http://schemas.microsoft.com/office/drawing/2010/main" val="0"/>
+              </a:ext>
+            </a:extLst>
+          </a:blip>
+          <a:stretch>
+            <a:fillRect/>
+          </a:stretch>
+        </p:blipFill>
+        <p:spPr>
+          <a:xfrm>
+            <a:off x="4771697" y="1692757"/>
+            <a:ext cx="6734503" cy="5050877"/>
+          </a:xfrm>
+          <a:prstGeom prst="rect">
+            <a:avLst/>
+          </a:prstGeom>
+        </p:spPr>
+      </p:pic>
+    </p:spTree>
+    <p:extLst>
+      <p:ext uri="{BB962C8B-B14F-4D97-AF65-F5344CB8AC3E}">
+        <p14:creationId xmlns:p14="http://schemas.microsoft.com/office/powerpoint/2010/main" val="929015834"/>
       </p:ext>
     </p:extLst>
   </p:cSld>

--- a/AsteroidMining.pptx
+++ b/AsteroidMining.pptx
@@ -13,6 +13,7 @@
     <p:sldId id="261" r:id="rId7"/>
     <p:sldId id="262" r:id="rId8"/>
     <p:sldId id="263" r:id="rId9"/>
+    <p:sldId id="264" r:id="rId10"/>
   </p:sldIdLst>
   <p:sldSz cx="12192000" cy="6858000"/>
   <p:notesSz cx="6858000" cy="9144000"/>
@@ -7031,6 +7032,134 @@
 </p:sld>
 </file>
 
+<file path=ppt/slides/slide9.xml><?xml version="1.0" encoding="utf-8"?>
+<p:sld xmlns:a="http://schemas.openxmlformats.org/drawingml/2006/main" xmlns:r="http://schemas.openxmlformats.org/officeDocument/2006/relationships" xmlns:p="http://schemas.openxmlformats.org/presentationml/2006/main">
+  <p:cSld>
+    <p:spTree>
+      <p:nvGrpSpPr>
+        <p:cNvPr id="1" name=""/>
+        <p:cNvGrpSpPr/>
+        <p:nvPr/>
+      </p:nvGrpSpPr>
+      <p:grpSpPr>
+        <a:xfrm>
+          <a:off x="0" y="0"/>
+          <a:ext cx="0" cy="0"/>
+          <a:chOff x="0" y="0"/>
+          <a:chExt cx="0" cy="0"/>
+        </a:xfrm>
+      </p:grpSpPr>
+      <p:sp>
+        <p:nvSpPr>
+          <p:cNvPr id="2" name="Title 1"/>
+          <p:cNvSpPr>
+            <a:spLocks noGrp="1"/>
+          </p:cNvSpPr>
+          <p:nvPr>
+            <p:ph type="title"/>
+          </p:nvPr>
+        </p:nvSpPr>
+        <p:spPr/>
+        <p:txBody>
+          <a:bodyPr/>
+          <a:lstStyle/>
+          <a:p>
+            <a:r>
+              <a:rPr lang="en-US" dirty="0" smtClean="0"/>
+              <a:t>All Wavelength Histograms</a:t>
+            </a:r>
+            <a:endParaRPr lang="en-US" dirty="0"/>
+          </a:p>
+        </p:txBody>
+      </p:sp>
+      <p:sp>
+        <p:nvSpPr>
+          <p:cNvPr id="3" name="Content Placeholder 2"/>
+          <p:cNvSpPr>
+            <a:spLocks noGrp="1"/>
+          </p:cNvSpPr>
+          <p:nvPr>
+            <p:ph idx="1"/>
+          </p:nvPr>
+        </p:nvSpPr>
+        <p:spPr/>
+        <p:txBody>
+          <a:bodyPr/>
+          <a:lstStyle/>
+          <a:p>
+            <a:r>
+              <a:rPr lang="en-US" dirty="0" smtClean="0"/>
+              <a:t>Blue: Ida</a:t>
+            </a:r>
+          </a:p>
+          <a:p>
+            <a:r>
+              <a:rPr lang="en-US" dirty="0" smtClean="0"/>
+              <a:t>Green: </a:t>
+            </a:r>
+            <a:r>
+              <a:rPr lang="en-US" dirty="0" err="1" smtClean="0"/>
+              <a:t>Olivite</a:t>
+            </a:r>
+            <a:endParaRPr lang="en-US" dirty="0" smtClean="0"/>
+          </a:p>
+          <a:p>
+            <a:r>
+              <a:rPr lang="en-US" dirty="0" smtClean="0"/>
+              <a:t>Red: Chondrite</a:t>
+            </a:r>
+          </a:p>
+          <a:p>
+            <a:r>
+              <a:rPr lang="en-US" smtClean="0"/>
+              <a:t>Light blue: Eros</a:t>
+            </a:r>
+          </a:p>
+        </p:txBody>
+      </p:sp>
+      <p:pic>
+        <p:nvPicPr>
+          <p:cNvPr id="6" name="Picture 5"/>
+          <p:cNvPicPr>
+            <a:picLocks noChangeAspect="1"/>
+          </p:cNvPicPr>
+          <p:nvPr/>
+        </p:nvPicPr>
+        <p:blipFill>
+          <a:blip r:embed="rId2">
+            <a:extLst>
+              <a:ext uri="{28A0092B-C50C-407E-A947-70E740481C1C}">
+                <a14:useLocalDpi xmlns:a14="http://schemas.microsoft.com/office/drawing/2010/main" val="0"/>
+              </a:ext>
+            </a:extLst>
+          </a:blip>
+          <a:stretch>
+            <a:fillRect/>
+          </a:stretch>
+        </p:blipFill>
+        <p:spPr>
+          <a:xfrm>
+            <a:off x="5202620" y="2194560"/>
+            <a:ext cx="6138041" cy="4603531"/>
+          </a:xfrm>
+          <a:prstGeom prst="rect">
+            <a:avLst/>
+          </a:prstGeom>
+        </p:spPr>
+      </p:pic>
+    </p:spTree>
+    <p:extLst>
+      <p:ext uri="{BB962C8B-B14F-4D97-AF65-F5344CB8AC3E}">
+        <p14:creationId xmlns:p14="http://schemas.microsoft.com/office/powerpoint/2010/main" val="1951644746"/>
+      </p:ext>
+    </p:extLst>
+  </p:cSld>
+  <p:clrMapOvr>
+    <a:masterClrMapping/>
+  </p:clrMapOvr>
+</p:sld>
+</file>
+
 <file path=ppt/theme/theme1.xml><?xml version="1.0" encoding="utf-8"?>
 <a:theme xmlns:a="http://schemas.openxmlformats.org/drawingml/2006/main" name="Vapor Trail">
   <a:themeElements>
